--- a/RBasics/R CSV 11.pptx
+++ b/RBasics/R CSV 11.pptx
@@ -16,6 +16,8 @@
     <p:sldId id="264" r:id="rId10"/>
     <p:sldId id="265" r:id="rId11"/>
     <p:sldId id="266" r:id="rId12"/>
+    <p:sldId id="267" r:id="rId13"/>
+    <p:sldId id="268" r:id="rId14"/>
   </p:sldIdLst>
   <p:sldSz cx="9144000" cy="6858000" type="screen4x3"/>
   <p:notesSz cx="6858000" cy="9144000"/>
@@ -2874,7 +2876,7 @@
           <a:p>
             <a:fld id="{083CD481-DF38-4666-AEC4-0A2AE53EF68B}" type="datetimeFigureOut">
               <a:rPr lang="en-US" smtClean="0"/>
-              <a:t>6/3/2018</a:t>
+              <a:t>6/27/2018</a:t>
             </a:fld>
             <a:endParaRPr lang="en-US"/>
           </a:p>
@@ -3159,7 +3161,7 @@
           <a:p>
             <a:fld id="{083CD481-DF38-4666-AEC4-0A2AE53EF68B}" type="datetimeFigureOut">
               <a:rPr lang="en-US" smtClean="0"/>
-              <a:t>6/3/2018</a:t>
+              <a:t>6/27/2018</a:t>
             </a:fld>
             <a:endParaRPr lang="en-US"/>
           </a:p>
@@ -3334,7 +3336,7 @@
           <a:p>
             <a:fld id="{083CD481-DF38-4666-AEC4-0A2AE53EF68B}" type="datetimeFigureOut">
               <a:rPr lang="en-US" smtClean="0"/>
-              <a:t>6/3/2018</a:t>
+              <a:t>6/27/2018</a:t>
             </a:fld>
             <a:endParaRPr lang="en-US"/>
           </a:p>
@@ -3499,7 +3501,7 @@
           <a:p>
             <a:fld id="{083CD481-DF38-4666-AEC4-0A2AE53EF68B}" type="datetimeFigureOut">
               <a:rPr lang="en-US" smtClean="0"/>
-              <a:t>6/3/2018</a:t>
+              <a:t>6/27/2018</a:t>
             </a:fld>
             <a:endParaRPr lang="en-US"/>
           </a:p>
@@ -3740,7 +3742,7 @@
           <a:p>
             <a:fld id="{083CD481-DF38-4666-AEC4-0A2AE53EF68B}" type="datetimeFigureOut">
               <a:rPr lang="en-US" smtClean="0"/>
-              <a:t>6/3/2018</a:t>
+              <a:t>6/27/2018</a:t>
             </a:fld>
             <a:endParaRPr lang="en-US"/>
           </a:p>
@@ -3853,7 +3855,7 @@
           <a:p>
             <a:fld id="{083CD481-DF38-4666-AEC4-0A2AE53EF68B}" type="datetimeFigureOut">
               <a:rPr lang="en-US" smtClean="0"/>
-              <a:t>6/3/2018</a:t>
+              <a:t>6/27/2018</a:t>
             </a:fld>
             <a:endParaRPr lang="en-US"/>
           </a:p>
@@ -4392,7 +4394,7 @@
           <a:p>
             <a:fld id="{083CD481-DF38-4666-AEC4-0A2AE53EF68B}" type="datetimeFigureOut">
               <a:rPr lang="en-US" smtClean="0"/>
-              <a:t>6/3/2018</a:t>
+              <a:t>6/27/2018</a:t>
             </a:fld>
             <a:endParaRPr lang="en-US"/>
           </a:p>
@@ -4505,7 +4507,7 @@
           <a:p>
             <a:fld id="{083CD481-DF38-4666-AEC4-0A2AE53EF68B}" type="datetimeFigureOut">
               <a:rPr lang="en-US" smtClean="0"/>
-              <a:t>6/3/2018</a:t>
+              <a:t>6/27/2018</a:t>
             </a:fld>
             <a:endParaRPr lang="en-US"/>
           </a:p>
@@ -4595,7 +4597,7 @@
           <a:p>
             <a:fld id="{083CD481-DF38-4666-AEC4-0A2AE53EF68B}" type="datetimeFigureOut">
               <a:rPr lang="en-US" smtClean="0"/>
-              <a:t>6/3/2018</a:t>
+              <a:t>6/27/2018</a:t>
             </a:fld>
             <a:endParaRPr lang="en-US"/>
           </a:p>
@@ -7246,7 +7248,7 @@
           <a:p>
             <a:fld id="{083CD481-DF38-4666-AEC4-0A2AE53EF68B}" type="datetimeFigureOut">
               <a:rPr lang="en-US" smtClean="0"/>
-              <a:t>6/3/2018</a:t>
+              <a:t>6/27/2018</a:t>
             </a:fld>
             <a:endParaRPr lang="en-US"/>
           </a:p>
@@ -10458,7 +10460,7 @@
           <a:p>
             <a:fld id="{083CD481-DF38-4666-AEC4-0A2AE53EF68B}" type="datetimeFigureOut">
               <a:rPr lang="en-US" smtClean="0"/>
-              <a:t>6/3/2018</a:t>
+              <a:t>6/27/2018</a:t>
             </a:fld>
             <a:endParaRPr lang="en-US"/>
           </a:p>
@@ -13280,7 +13282,7 @@
           <a:p>
             <a:fld id="{083CD481-DF38-4666-AEC4-0A2AE53EF68B}" type="datetimeFigureOut">
               <a:rPr lang="en-US" smtClean="0"/>
-              <a:t>6/3/2018</a:t>
+              <a:t>6/27/2018</a:t>
             </a:fld>
             <a:endParaRPr lang="en-US"/>
           </a:p>
@@ -14156,6 +14158,304 @@
 </p:sld>
 </file>
 
+<file path=ppt/slides/slide12.xml><?xml version="1.0" encoding="utf-8"?>
+<p:sld xmlns:a="http://schemas.openxmlformats.org/drawingml/2006/main" xmlns:r="http://schemas.openxmlformats.org/officeDocument/2006/relationships" xmlns:p="http://schemas.openxmlformats.org/presentationml/2006/main">
+  <p:cSld>
+    <p:spTree>
+      <p:nvGrpSpPr>
+        <p:cNvPr id="1" name=""/>
+        <p:cNvGrpSpPr/>
+        <p:nvPr/>
+      </p:nvGrpSpPr>
+      <p:grpSpPr>
+        <a:xfrm>
+          <a:off x="0" y="0"/>
+          <a:ext cx="0" cy="0"/>
+          <a:chOff x="0" y="0"/>
+          <a:chExt cx="0" cy="0"/>
+        </a:xfrm>
+      </p:grpSpPr>
+      <p:sp>
+        <p:nvSpPr>
+          <p:cNvPr id="2" name="Title 1"/>
+          <p:cNvSpPr>
+            <a:spLocks noGrp="1"/>
+          </p:cNvSpPr>
+          <p:nvPr>
+            <p:ph type="title"/>
+          </p:nvPr>
+        </p:nvSpPr>
+        <p:spPr/>
+        <p:txBody>
+          <a:bodyPr/>
+          <a:lstStyle/>
+          <a:p>
+            <a:r>
+              <a:rPr lang="en-US" dirty="0" smtClean="0"/>
+              <a:t> </a:t>
+            </a:r>
+            <a:r>
+              <a:rPr lang="en-US" dirty="0" err="1" smtClean="0"/>
+              <a:t>read.table</a:t>
+            </a:r>
+            <a:endParaRPr lang="en-US" dirty="0"/>
+          </a:p>
+        </p:txBody>
+      </p:sp>
+      <p:sp>
+        <p:nvSpPr>
+          <p:cNvPr id="3" name="Content Placeholder 2"/>
+          <p:cNvSpPr>
+            <a:spLocks noGrp="1"/>
+          </p:cNvSpPr>
+          <p:nvPr>
+            <p:ph idx="1"/>
+          </p:nvPr>
+        </p:nvSpPr>
+        <p:spPr/>
+        <p:txBody>
+          <a:bodyPr>
+            <a:normAutofit lnSpcReduction="10000"/>
+          </a:bodyPr>
+          <a:lstStyle/>
+          <a:p>
+            <a:r>
+              <a:rPr lang="en-US" b="1" dirty="0" smtClean="0">
+                <a:solidFill>
+                  <a:srgbClr val="FF0000"/>
+                </a:solidFill>
+              </a:rPr>
+              <a:t>From clipboard</a:t>
+            </a:r>
+          </a:p>
+          <a:p>
+            <a:r>
+              <a:rPr lang="en-US" b="1" dirty="0"/>
+              <a:t>Open</a:t>
+            </a:r>
+            <a:r>
+              <a:rPr lang="en-US" dirty="0"/>
+              <a:t> the Excel file containing your data: </a:t>
+            </a:r>
+            <a:r>
+              <a:rPr lang="en-US" b="1" dirty="0"/>
+              <a:t>select</a:t>
+            </a:r>
+            <a:r>
+              <a:rPr lang="en-US" dirty="0"/>
+              <a:t> and </a:t>
+            </a:r>
+            <a:r>
+              <a:rPr lang="en-US" b="1" dirty="0"/>
+              <a:t>copy the data</a:t>
+            </a:r>
+            <a:r>
+              <a:rPr lang="en-US" dirty="0"/>
+              <a:t> (ctrl + c)</a:t>
+            </a:r>
+          </a:p>
+          <a:p>
+            <a:r>
+              <a:rPr lang="en-US" dirty="0"/>
+              <a:t>Type the R code below to import the copied data from the </a:t>
+            </a:r>
+            <a:r>
+              <a:rPr lang="en-US" b="1" dirty="0"/>
+              <a:t>clipboard</a:t>
+            </a:r>
+            <a:r>
+              <a:rPr lang="en-US" dirty="0"/>
+              <a:t> into R and store the data in a data frame (</a:t>
+            </a:r>
+            <a:r>
+              <a:rPr lang="en-US" dirty="0" err="1"/>
+              <a:t>my_data</a:t>
+            </a:r>
+            <a:r>
+              <a:rPr lang="en-US" dirty="0"/>
+              <a:t>):</a:t>
+            </a:r>
+          </a:p>
+          <a:p>
+            <a:r>
+              <a:rPr lang="en-US" b="1" dirty="0" err="1">
+                <a:solidFill>
+                  <a:srgbClr val="FF0000"/>
+                </a:solidFill>
+              </a:rPr>
+              <a:t>my_data</a:t>
+            </a:r>
+            <a:r>
+              <a:rPr lang="en-US" b="1" dirty="0">
+                <a:solidFill>
+                  <a:srgbClr val="FF0000"/>
+                </a:solidFill>
+              </a:rPr>
+              <a:t> &lt;- </a:t>
+            </a:r>
+            <a:r>
+              <a:rPr lang="en-US" b="1" dirty="0" err="1">
+                <a:solidFill>
+                  <a:srgbClr val="FF0000"/>
+                </a:solidFill>
+              </a:rPr>
+              <a:t>read.table</a:t>
+            </a:r>
+            <a:r>
+              <a:rPr lang="en-US" b="1" dirty="0">
+                <a:solidFill>
+                  <a:srgbClr val="FF0000"/>
+                </a:solidFill>
+              </a:rPr>
+              <a:t>(file = "clipboard", </a:t>
+            </a:r>
+            <a:r>
+              <a:rPr lang="en-US" b="1" dirty="0" err="1">
+                <a:solidFill>
+                  <a:srgbClr val="FF0000"/>
+                </a:solidFill>
+              </a:rPr>
+              <a:t>sep</a:t>
+            </a:r>
+            <a:r>
+              <a:rPr lang="en-US" b="1" dirty="0">
+                <a:solidFill>
+                  <a:srgbClr val="FF0000"/>
+                </a:solidFill>
+              </a:rPr>
+              <a:t> = "\t", header=TRUE</a:t>
+            </a:r>
+            <a:r>
+              <a:rPr lang="en-US" dirty="0"/>
+              <a:t>)</a:t>
+            </a:r>
+            <a:endParaRPr lang="en-US" dirty="0"/>
+          </a:p>
+        </p:txBody>
+      </p:sp>
+    </p:spTree>
+    <p:extLst>
+      <p:ext uri="{BB962C8B-B14F-4D97-AF65-F5344CB8AC3E}">
+        <p14:creationId xmlns:p14="http://schemas.microsoft.com/office/powerpoint/2010/main" val="2422849029"/>
+      </p:ext>
+    </p:extLst>
+  </p:cSld>
+  <p:clrMapOvr>
+    <a:masterClrMapping/>
+  </p:clrMapOvr>
+</p:sld>
+</file>
+
+<file path=ppt/slides/slide13.xml><?xml version="1.0" encoding="utf-8"?>
+<p:sld xmlns:a="http://schemas.openxmlformats.org/drawingml/2006/main" xmlns:r="http://schemas.openxmlformats.org/officeDocument/2006/relationships" xmlns:p="http://schemas.openxmlformats.org/presentationml/2006/main">
+  <p:cSld>
+    <p:spTree>
+      <p:nvGrpSpPr>
+        <p:cNvPr id="1" name=""/>
+        <p:cNvGrpSpPr/>
+        <p:nvPr/>
+      </p:nvGrpSpPr>
+      <p:grpSpPr>
+        <a:xfrm>
+          <a:off x="0" y="0"/>
+          <a:ext cx="0" cy="0"/>
+          <a:chOff x="0" y="0"/>
+          <a:chExt cx="0" cy="0"/>
+        </a:xfrm>
+      </p:grpSpPr>
+      <p:sp>
+        <p:nvSpPr>
+          <p:cNvPr id="2" name="Title 1"/>
+          <p:cNvSpPr>
+            <a:spLocks noGrp="1"/>
+          </p:cNvSpPr>
+          <p:nvPr>
+            <p:ph type="title"/>
+          </p:nvPr>
+        </p:nvSpPr>
+        <p:spPr/>
+        <p:txBody>
+          <a:bodyPr/>
+          <a:lstStyle/>
+          <a:p>
+            <a:endParaRPr lang="en-US"/>
+          </a:p>
+        </p:txBody>
+      </p:sp>
+      <p:sp>
+        <p:nvSpPr>
+          <p:cNvPr id="3" name="Content Placeholder 2"/>
+          <p:cNvSpPr>
+            <a:spLocks noGrp="1"/>
+          </p:cNvSpPr>
+          <p:nvPr>
+            <p:ph idx="1"/>
+          </p:nvPr>
+        </p:nvSpPr>
+        <p:spPr/>
+        <p:txBody>
+          <a:bodyPr/>
+          <a:lstStyle/>
+          <a:p>
+            <a:r>
+              <a:rPr lang="en-US" dirty="0" err="1"/>
+              <a:t>my_data</a:t>
+            </a:r>
+            <a:r>
+              <a:rPr lang="en-US" dirty="0"/>
+              <a:t> &lt;- </a:t>
+            </a:r>
+            <a:r>
+              <a:rPr lang="en-US" dirty="0" err="1"/>
+              <a:t>read.table</a:t>
+            </a:r>
+            <a:r>
+              <a:rPr lang="en-US" dirty="0"/>
+              <a:t>(file = "clipboard", </a:t>
+            </a:r>
+          </a:p>
+          <a:p>
+            <a:r>
+              <a:rPr lang="en-US" dirty="0"/>
+              <a:t>                      </a:t>
+            </a:r>
+            <a:r>
+              <a:rPr lang="en-US" dirty="0" err="1"/>
+              <a:t>sep</a:t>
+            </a:r>
+            <a:r>
+              <a:rPr lang="en-US" dirty="0"/>
+              <a:t> = "\t", header=TRUE)</a:t>
+            </a:r>
+          </a:p>
+          <a:p>
+            <a:endParaRPr lang="en-US" dirty="0"/>
+          </a:p>
+          <a:p>
+            <a:r>
+              <a:rPr lang="en-US" dirty="0" err="1" smtClean="0"/>
+              <a:t>my_data</a:t>
+            </a:r>
+            <a:endParaRPr lang="en-US" dirty="0" smtClean="0"/>
+          </a:p>
+          <a:p>
+            <a:endParaRPr lang="en-US" dirty="0"/>
+          </a:p>
+        </p:txBody>
+      </p:sp>
+    </p:spTree>
+    <p:extLst>
+      <p:ext uri="{BB962C8B-B14F-4D97-AF65-F5344CB8AC3E}">
+        <p14:creationId xmlns:p14="http://schemas.microsoft.com/office/powerpoint/2010/main" val="3414937957"/>
+      </p:ext>
+    </p:extLst>
+  </p:cSld>
+  <p:clrMapOvr>
+    <a:masterClrMapping/>
+  </p:clrMapOvr>
+</p:sld>
+</file>
+
 <file path=ppt/slides/slide2.xml><?xml version="1.0" encoding="utf-8"?>
 <p:sld xmlns:a="http://schemas.openxmlformats.org/drawingml/2006/main" xmlns:r="http://schemas.openxmlformats.org/officeDocument/2006/relationships" xmlns:p="http://schemas.openxmlformats.org/presentationml/2006/main">
   <p:cSld>
